--- a/5/OOP_V_term_paper/Презентация_ООП_АндреевД.И_z9431.pptx
+++ b/5/OOP_V_term_paper/Презентация_ООП_АндреевД.И_z9431.pptx
@@ -115,6 +115,11 @@
       </a:defRPr>
     </a:lvl9pPr>
   </p:defaultTextStyle>
+  <p:extLst>
+    <p:ext uri="{EFAFB233-063F-42B5-8137-9DF3F51BA10A}">
+      <p15:sldGuideLst xmlns:p15="http://schemas.microsoft.com/office/powerpoint/2012/main"/>
+    </p:ext>
+  </p:extLst>
 </p:presentation>
 </file>
 
@@ -265,7 +270,7 @@
           <a:p>
             <a:fld id="{87600E5C-D0E0-46BD-A989-53C1A7C4E773}" type="datetimeFigureOut">
               <a:rPr lang="ru-RU" smtClean="0"/>
-              <a:t>09.01.2022</a:t>
+              <a:t>11.01.2022</a:t>
             </a:fld>
             <a:endParaRPr lang="ru-RU"/>
           </a:p>
@@ -463,7 +468,7 @@
           <a:p>
             <a:fld id="{87600E5C-D0E0-46BD-A989-53C1A7C4E773}" type="datetimeFigureOut">
               <a:rPr lang="ru-RU" smtClean="0"/>
-              <a:t>09.01.2022</a:t>
+              <a:t>11.01.2022</a:t>
             </a:fld>
             <a:endParaRPr lang="ru-RU"/>
           </a:p>
@@ -671,7 +676,7 @@
           <a:p>
             <a:fld id="{87600E5C-D0E0-46BD-A989-53C1A7C4E773}" type="datetimeFigureOut">
               <a:rPr lang="ru-RU" smtClean="0"/>
-              <a:t>09.01.2022</a:t>
+              <a:t>11.01.2022</a:t>
             </a:fld>
             <a:endParaRPr lang="ru-RU"/>
           </a:p>
@@ -869,7 +874,7 @@
           <a:p>
             <a:fld id="{87600E5C-D0E0-46BD-A989-53C1A7C4E773}" type="datetimeFigureOut">
               <a:rPr lang="ru-RU" smtClean="0"/>
-              <a:t>09.01.2022</a:t>
+              <a:t>11.01.2022</a:t>
             </a:fld>
             <a:endParaRPr lang="ru-RU"/>
           </a:p>
@@ -1144,7 +1149,7 @@
           <a:p>
             <a:fld id="{87600E5C-D0E0-46BD-A989-53C1A7C4E773}" type="datetimeFigureOut">
               <a:rPr lang="ru-RU" smtClean="0"/>
-              <a:t>09.01.2022</a:t>
+              <a:t>11.01.2022</a:t>
             </a:fld>
             <a:endParaRPr lang="ru-RU"/>
           </a:p>
@@ -1409,7 +1414,7 @@
           <a:p>
             <a:fld id="{87600E5C-D0E0-46BD-A989-53C1A7C4E773}" type="datetimeFigureOut">
               <a:rPr lang="ru-RU" smtClean="0"/>
-              <a:t>09.01.2022</a:t>
+              <a:t>11.01.2022</a:t>
             </a:fld>
             <a:endParaRPr lang="ru-RU"/>
           </a:p>
@@ -1821,7 +1826,7 @@
           <a:p>
             <a:fld id="{87600E5C-D0E0-46BD-A989-53C1A7C4E773}" type="datetimeFigureOut">
               <a:rPr lang="ru-RU" smtClean="0"/>
-              <a:t>09.01.2022</a:t>
+              <a:t>11.01.2022</a:t>
             </a:fld>
             <a:endParaRPr lang="ru-RU"/>
           </a:p>
@@ -1962,7 +1967,7 @@
           <a:p>
             <a:fld id="{87600E5C-D0E0-46BD-A989-53C1A7C4E773}" type="datetimeFigureOut">
               <a:rPr lang="ru-RU" smtClean="0"/>
-              <a:t>09.01.2022</a:t>
+              <a:t>11.01.2022</a:t>
             </a:fld>
             <a:endParaRPr lang="ru-RU"/>
           </a:p>
@@ -2075,7 +2080,7 @@
           <a:p>
             <a:fld id="{87600E5C-D0E0-46BD-A989-53C1A7C4E773}" type="datetimeFigureOut">
               <a:rPr lang="ru-RU" smtClean="0"/>
-              <a:t>09.01.2022</a:t>
+              <a:t>11.01.2022</a:t>
             </a:fld>
             <a:endParaRPr lang="ru-RU"/>
           </a:p>
@@ -2386,7 +2391,7 @@
           <a:p>
             <a:fld id="{87600E5C-D0E0-46BD-A989-53C1A7C4E773}" type="datetimeFigureOut">
               <a:rPr lang="ru-RU" smtClean="0"/>
-              <a:t>09.01.2022</a:t>
+              <a:t>11.01.2022</a:t>
             </a:fld>
             <a:endParaRPr lang="ru-RU"/>
           </a:p>
@@ -2674,7 +2679,7 @@
           <a:p>
             <a:fld id="{87600E5C-D0E0-46BD-A989-53C1A7C4E773}" type="datetimeFigureOut">
               <a:rPr lang="ru-RU" smtClean="0"/>
-              <a:t>09.01.2022</a:t>
+              <a:t>11.01.2022</a:t>
             </a:fld>
             <a:endParaRPr lang="ru-RU"/>
           </a:p>
@@ -2915,7 +2920,7 @@
           <a:p>
             <a:fld id="{87600E5C-D0E0-46BD-A989-53C1A7C4E773}" type="datetimeFigureOut">
               <a:rPr lang="ru-RU" smtClean="0"/>
-              <a:t>09.01.2022</a:t>
+              <a:t>11.01.2022</a:t>
             </a:fld>
             <a:endParaRPr lang="ru-RU"/>
           </a:p>
@@ -3475,18 +3480,18 @@
         <p:spPr>
           <a:xfrm>
             <a:off x="838200" y="365126"/>
-            <a:ext cx="10515600" cy="677612"/>
+            <a:ext cx="10515600" cy="1142832"/>
           </a:xfrm>
         </p:spPr>
         <p:txBody>
           <a:bodyPr>
-            <a:normAutofit fontScale="90000"/>
+            <a:normAutofit/>
           </a:bodyPr>
           <a:lstStyle/>
           <a:p>
             <a:pPr algn="ctr"/>
             <a:r>
-              <a:rPr lang="ru-RU" dirty="0">
+              <a:rPr lang="ru-RU" sz="5400" dirty="0">
                 <a:latin typeface="Times New Roman" panose="02020603050405020304" pitchFamily="18" charset="0"/>
                 <a:cs typeface="Times New Roman" panose="02020603050405020304" pitchFamily="18" charset="0"/>
               </a:rPr>
@@ -3513,15 +3518,81 @@
         </p:nvSpPr>
         <p:spPr>
           <a:xfrm>
-            <a:off x="838200" y="1042738"/>
-            <a:ext cx="10515600" cy="5450136"/>
+            <a:off x="838200" y="1507958"/>
+            <a:ext cx="10515600" cy="4828675"/>
           </a:xfrm>
         </p:spPr>
         <p:txBody>
-          <a:bodyPr/>
-          <a:lstStyle/>
-          <a:p>
-            <a:endParaRPr lang="ru-RU" dirty="0"/>
+          <a:bodyPr>
+            <a:normAutofit lnSpcReduction="10000"/>
+          </a:bodyPr>
+          <a:lstStyle/>
+          <a:p>
+            <a:pPr marL="0" indent="0">
+              <a:buNone/>
+            </a:pPr>
+            <a:r>
+              <a:rPr lang="ru-RU" sz="4000" dirty="0">
+                <a:latin typeface="Times New Roman" panose="02020603050405020304" pitchFamily="18" charset="0"/>
+                <a:cs typeface="Times New Roman" panose="02020603050405020304" pitchFamily="18" charset="0"/>
+              </a:rPr>
+              <a:t>Использование паттернов </a:t>
+            </a:r>
+            <a:r>
+              <a:rPr lang="en-US" sz="4000" dirty="0">
+                <a:latin typeface="Times New Roman" panose="02020603050405020304" pitchFamily="18" charset="0"/>
+                <a:cs typeface="Times New Roman" panose="02020603050405020304" pitchFamily="18" charset="0"/>
+              </a:rPr>
+              <a:t>Visitor </a:t>
+            </a:r>
+            <a:r>
+              <a:rPr lang="ru-RU" sz="4000" dirty="0">
+                <a:latin typeface="Times New Roman" panose="02020603050405020304" pitchFamily="18" charset="0"/>
+                <a:cs typeface="Times New Roman" panose="02020603050405020304" pitchFamily="18" charset="0"/>
+              </a:rPr>
+              <a:t>и </a:t>
+            </a:r>
+            <a:r>
+              <a:rPr lang="en-US" sz="4000" dirty="0">
+                <a:latin typeface="Times New Roman" panose="02020603050405020304" pitchFamily="18" charset="0"/>
+                <a:cs typeface="Times New Roman" panose="02020603050405020304" pitchFamily="18" charset="0"/>
+              </a:rPr>
+              <a:t>Mediator</a:t>
+            </a:r>
+            <a:r>
+              <a:rPr lang="ru-RU" sz="4000" dirty="0">
+                <a:latin typeface="Times New Roman" panose="02020603050405020304" pitchFamily="18" charset="0"/>
+                <a:cs typeface="Times New Roman" panose="02020603050405020304" pitchFamily="18" charset="0"/>
+              </a:rPr>
+              <a:t>, а также разделение приложения на слои: </a:t>
+            </a:r>
+          </a:p>
+          <a:p>
+            <a:r>
+              <a:rPr lang="ru-RU" sz="4000" dirty="0">
+                <a:latin typeface="Times New Roman" panose="02020603050405020304" pitchFamily="18" charset="0"/>
+                <a:cs typeface="Times New Roman" panose="02020603050405020304" pitchFamily="18" charset="0"/>
+              </a:rPr>
+              <a:t>Позволяет локализовать зависимости и уменьшает их число</a:t>
+            </a:r>
+          </a:p>
+          <a:p>
+            <a:r>
+              <a:rPr lang="ru-RU" sz="4000" dirty="0">
+                <a:latin typeface="Times New Roman" panose="02020603050405020304" pitchFamily="18" charset="0"/>
+                <a:cs typeface="Times New Roman" panose="02020603050405020304" pitchFamily="18" charset="0"/>
+              </a:rPr>
+              <a:t>Упрощает внесение дополнительной или создание новой логики</a:t>
+            </a:r>
+          </a:p>
+          <a:p>
+            <a:r>
+              <a:rPr lang="ru-RU" sz="4000" dirty="0">
+                <a:latin typeface="Times New Roman" panose="02020603050405020304" pitchFamily="18" charset="0"/>
+                <a:cs typeface="Times New Roman" panose="02020603050405020304" pitchFamily="18" charset="0"/>
+              </a:rPr>
+              <a:t>Обходить объекты классов иерархии и выбирать логику в зависимости от типа</a:t>
+            </a:r>
           </a:p>
         </p:txBody>
       </p:sp>
@@ -3573,19 +3644,19 @@
         </p:nvSpPr>
         <p:spPr>
           <a:xfrm>
-            <a:off x="838200" y="365126"/>
-            <a:ext cx="10515600" cy="645528"/>
+            <a:off x="838200" y="365125"/>
+            <a:ext cx="10515600" cy="1046579"/>
           </a:xfrm>
         </p:spPr>
         <p:txBody>
           <a:bodyPr>
-            <a:normAutofit fontScale="90000"/>
+            <a:normAutofit/>
           </a:bodyPr>
           <a:lstStyle/>
           <a:p>
             <a:pPr algn="ctr"/>
             <a:r>
-              <a:rPr lang="ru-RU" dirty="0">
+              <a:rPr lang="ru-RU" sz="5400" dirty="0">
                 <a:latin typeface="Times New Roman" panose="02020603050405020304" pitchFamily="18" charset="0"/>
                 <a:cs typeface="Times New Roman" panose="02020603050405020304" pitchFamily="18" charset="0"/>
               </a:rPr>
@@ -3612,15 +3683,83 @@
         </p:nvSpPr>
         <p:spPr>
           <a:xfrm>
-            <a:off x="838200" y="1010654"/>
-            <a:ext cx="10515600" cy="5482220"/>
+            <a:off x="838200" y="1519989"/>
+            <a:ext cx="10515600" cy="3818022"/>
           </a:xfrm>
         </p:spPr>
         <p:txBody>
-          <a:bodyPr/>
-          <a:lstStyle/>
-          <a:p>
-            <a:endParaRPr lang="ru-RU" dirty="0"/>
+          <a:bodyPr>
+            <a:normAutofit/>
+          </a:bodyPr>
+          <a:lstStyle/>
+          <a:p>
+            <a:r>
+              <a:rPr lang="ru-RU" sz="4000" dirty="0">
+                <a:latin typeface="Times New Roman" panose="02020603050405020304" pitchFamily="18" charset="0"/>
+                <a:cs typeface="Times New Roman" panose="02020603050405020304" pitchFamily="18" charset="0"/>
+              </a:rPr>
+              <a:t>Паттерн </a:t>
+            </a:r>
+            <a:r>
+              <a:rPr lang="en-US" sz="4000" dirty="0">
+                <a:latin typeface="Times New Roman" panose="02020603050405020304" pitchFamily="18" charset="0"/>
+                <a:cs typeface="Times New Roman" panose="02020603050405020304" pitchFamily="18" charset="0"/>
+              </a:rPr>
+              <a:t>Mediator </a:t>
+            </a:r>
+            <a:r>
+              <a:rPr lang="ru-RU" sz="4000" dirty="0">
+                <a:latin typeface="Times New Roman" panose="02020603050405020304" pitchFamily="18" charset="0"/>
+                <a:cs typeface="Times New Roman" panose="02020603050405020304" pitchFamily="18" charset="0"/>
+              </a:rPr>
+              <a:t>только агрегирует зависимости между ядром и интерфейсом</a:t>
+            </a:r>
+          </a:p>
+          <a:p>
+            <a:r>
+              <a:rPr lang="ru-RU" sz="4000" dirty="0">
+                <a:latin typeface="Times New Roman" panose="02020603050405020304" pitchFamily="18" charset="0"/>
+                <a:cs typeface="Times New Roman" panose="02020603050405020304" pitchFamily="18" charset="0"/>
+              </a:rPr>
+              <a:t>Внесение новой логики с использованием паттерна </a:t>
+            </a:r>
+            <a:r>
+              <a:rPr lang="en-US" sz="4000" dirty="0">
+                <a:latin typeface="Times New Roman" panose="02020603050405020304" pitchFamily="18" charset="0"/>
+                <a:cs typeface="Times New Roman" panose="02020603050405020304" pitchFamily="18" charset="0"/>
+              </a:rPr>
+              <a:t>Visitor </a:t>
+            </a:r>
+            <a:r>
+              <a:rPr lang="ru-RU" sz="4000" dirty="0">
+                <a:latin typeface="Times New Roman" panose="02020603050405020304" pitchFamily="18" charset="0"/>
+                <a:cs typeface="Times New Roman" panose="02020603050405020304" pitchFamily="18" charset="0"/>
+              </a:rPr>
+              <a:t>порождает новые классы</a:t>
+            </a:r>
+          </a:p>
+          <a:p>
+            <a:r>
+              <a:rPr lang="ru-RU" sz="4000" dirty="0">
+                <a:latin typeface="Times New Roman" panose="02020603050405020304" pitchFamily="18" charset="0"/>
+                <a:cs typeface="Times New Roman" panose="02020603050405020304" pitchFamily="18" charset="0"/>
+              </a:rPr>
+              <a:t>Использовании паттерна </a:t>
+            </a:r>
+            <a:r>
+              <a:rPr lang="en-US" sz="4000" dirty="0">
+                <a:latin typeface="Times New Roman" panose="02020603050405020304" pitchFamily="18" charset="0"/>
+                <a:cs typeface="Times New Roman" panose="02020603050405020304" pitchFamily="18" charset="0"/>
+              </a:rPr>
+              <a:t>Visitor </a:t>
+            </a:r>
+            <a:r>
+              <a:rPr lang="ru-RU" sz="4000" dirty="0">
+                <a:latin typeface="Times New Roman" panose="02020603050405020304" pitchFamily="18" charset="0"/>
+                <a:cs typeface="Times New Roman" panose="02020603050405020304" pitchFamily="18" charset="0"/>
+              </a:rPr>
+              <a:t>накладывает ограничения на иерархию</a:t>
+            </a:r>
           </a:p>
         </p:txBody>
       </p:sp>
@@ -3711,15 +3850,46 @@
         </p:nvSpPr>
         <p:spPr>
           <a:xfrm>
-            <a:off x="838200" y="1026696"/>
-            <a:ext cx="10515600" cy="5466178"/>
+            <a:off x="838200" y="2201779"/>
+            <a:ext cx="10515600" cy="2454442"/>
           </a:xfrm>
         </p:spPr>
         <p:txBody>
-          <a:bodyPr/>
-          <a:lstStyle/>
-          <a:p>
-            <a:endParaRPr lang="ru-RU" dirty="0"/>
+          <a:bodyPr>
+            <a:normAutofit/>
+          </a:bodyPr>
+          <a:lstStyle/>
+          <a:p>
+            <a:r>
+              <a:rPr lang="ru-RU" sz="4000" dirty="0">
+                <a:latin typeface="Times New Roman" panose="02020603050405020304" pitchFamily="18" charset="0"/>
+                <a:cs typeface="Times New Roman" panose="02020603050405020304" pitchFamily="18" charset="0"/>
+              </a:rPr>
+              <a:t>Использование более гибких архитектурных решений (вносит усложнения в разработку)</a:t>
+            </a:r>
+          </a:p>
+          <a:p>
+            <a:r>
+              <a:rPr lang="ru-RU" sz="4000" dirty="0">
+                <a:latin typeface="Times New Roman" panose="02020603050405020304" pitchFamily="18" charset="0"/>
+                <a:cs typeface="Times New Roman" panose="02020603050405020304" pitchFamily="18" charset="0"/>
+              </a:rPr>
+              <a:t>Проблемы паттерна </a:t>
+            </a:r>
+            <a:r>
+              <a:rPr lang="en-US" sz="4000" dirty="0">
+                <a:latin typeface="Times New Roman" panose="02020603050405020304" pitchFamily="18" charset="0"/>
+                <a:cs typeface="Times New Roman" panose="02020603050405020304" pitchFamily="18" charset="0"/>
+              </a:rPr>
+              <a:t>Visitor </a:t>
+            </a:r>
+            <a:r>
+              <a:rPr lang="ru-RU" sz="4000" dirty="0">
+                <a:latin typeface="Times New Roman" panose="02020603050405020304" pitchFamily="18" charset="0"/>
+                <a:cs typeface="Times New Roman" panose="02020603050405020304" pitchFamily="18" charset="0"/>
+              </a:rPr>
+              <a:t>являются «необходимым злом»</a:t>
+            </a:r>
           </a:p>
         </p:txBody>
       </p:sp>
@@ -3776,11 +3946,13 @@
           </a:xfrm>
         </p:spPr>
         <p:txBody>
-          <a:bodyPr/>
-          <a:lstStyle/>
-          <a:p>
-            <a:r>
-              <a:rPr lang="ru-RU" dirty="0">
+          <a:bodyPr>
+            <a:normAutofit/>
+          </a:bodyPr>
+          <a:lstStyle/>
+          <a:p>
+            <a:r>
+              <a:rPr lang="ru-RU" sz="5400" dirty="0">
                 <a:latin typeface="Times New Roman" panose="02020603050405020304" pitchFamily="18" charset="0"/>
                 <a:cs typeface="Times New Roman" panose="02020603050405020304" pitchFamily="18" charset="0"/>
               </a:rPr>
@@ -4234,7 +4406,10 @@
               <a:buNone/>
             </a:pPr>
             <a:r>
-              <a:rPr lang="ru-RU" sz="4000" dirty="0"/>
+              <a:rPr lang="ru-RU" sz="4000" dirty="0">
+                <a:latin typeface="Times New Roman" panose="02020603050405020304" pitchFamily="18" charset="0"/>
+                <a:cs typeface="Times New Roman" panose="02020603050405020304" pitchFamily="18" charset="0"/>
+              </a:rPr>
               <a:t>Шахматная нотация:</a:t>
             </a:r>
           </a:p>
@@ -4243,7 +4418,10 @@
               <a:buNone/>
             </a:pPr>
             <a:r>
-              <a:rPr lang="ru-RU" dirty="0"/>
+              <a:rPr lang="ru-RU" dirty="0">
+                <a:latin typeface="Times New Roman" panose="02020603050405020304" pitchFamily="18" charset="0"/>
+                <a:cs typeface="Times New Roman" panose="02020603050405020304" pitchFamily="18" charset="0"/>
+              </a:rPr>
               <a:t>	Запись хода в общем случае:</a:t>
             </a:r>
           </a:p>
@@ -4252,71 +4430,122 @@
               <a:buNone/>
             </a:pPr>
             <a:r>
-              <a:rPr lang="ru-RU" dirty="0"/>
+              <a:rPr lang="ru-RU" dirty="0">
+                <a:latin typeface="Times New Roman" panose="02020603050405020304" pitchFamily="18" charset="0"/>
+                <a:cs typeface="Times New Roman" panose="02020603050405020304" pitchFamily="18" charset="0"/>
+              </a:rPr>
               <a:t>	</a:t>
             </a:r>
             <a:r>
-              <a:rPr lang="en-US" dirty="0"/>
+              <a:rPr lang="en-US" dirty="0">
+                <a:latin typeface="Times New Roman" panose="02020603050405020304" pitchFamily="18" charset="0"/>
+                <a:cs typeface="Times New Roman" panose="02020603050405020304" pitchFamily="18" charset="0"/>
+              </a:rPr>
               <a:t>[</a:t>
             </a:r>
             <a:r>
-              <a:rPr lang="ru-RU" dirty="0"/>
+              <a:rPr lang="ru-RU" dirty="0">
+                <a:latin typeface="Times New Roman" panose="02020603050405020304" pitchFamily="18" charset="0"/>
+                <a:cs typeface="Times New Roman" panose="02020603050405020304" pitchFamily="18" charset="0"/>
+              </a:rPr>
               <a:t>номер хода</a:t>
             </a:r>
             <a:r>
-              <a:rPr lang="en-US" dirty="0"/>
+              <a:rPr lang="en-US" dirty="0">
+                <a:latin typeface="Times New Roman" panose="02020603050405020304" pitchFamily="18" charset="0"/>
+                <a:cs typeface="Times New Roman" panose="02020603050405020304" pitchFamily="18" charset="0"/>
+              </a:rPr>
               <a:t>]</a:t>
             </a:r>
             <a:r>
-              <a:rPr lang="ru-RU" dirty="0"/>
+              <a:rPr lang="ru-RU" dirty="0">
+                <a:latin typeface="Times New Roman" panose="02020603050405020304" pitchFamily="18" charset="0"/>
+                <a:cs typeface="Times New Roman" panose="02020603050405020304" pitchFamily="18" charset="0"/>
+              </a:rPr>
               <a:t> </a:t>
             </a:r>
             <a:r>
-              <a:rPr lang="en-US" dirty="0"/>
+              <a:rPr lang="en-US" dirty="0">
+                <a:latin typeface="Times New Roman" panose="02020603050405020304" pitchFamily="18" charset="0"/>
+                <a:cs typeface="Times New Roman" panose="02020603050405020304" pitchFamily="18" charset="0"/>
+              </a:rPr>
               <a:t>[</a:t>
             </a:r>
             <a:r>
-              <a:rPr lang="ru-RU" dirty="0"/>
+              <a:rPr lang="ru-RU" dirty="0">
+                <a:latin typeface="Times New Roman" panose="02020603050405020304" pitchFamily="18" charset="0"/>
+                <a:cs typeface="Times New Roman" panose="02020603050405020304" pitchFamily="18" charset="0"/>
+              </a:rPr>
               <a:t>обозначение фигуры</a:t>
             </a:r>
             <a:r>
-              <a:rPr lang="en-US" dirty="0"/>
+              <a:rPr lang="en-US" dirty="0">
+                <a:latin typeface="Times New Roman" panose="02020603050405020304" pitchFamily="18" charset="0"/>
+                <a:cs typeface="Times New Roman" panose="02020603050405020304" pitchFamily="18" charset="0"/>
+              </a:rPr>
               <a:t>]</a:t>
             </a:r>
             <a:r>
-              <a:rPr lang="ru-RU" dirty="0"/>
+              <a:rPr lang="ru-RU" dirty="0">
+                <a:latin typeface="Times New Roman" panose="02020603050405020304" pitchFamily="18" charset="0"/>
+                <a:cs typeface="Times New Roman" panose="02020603050405020304" pitchFamily="18" charset="0"/>
+              </a:rPr>
               <a:t> </a:t>
             </a:r>
             <a:r>
-              <a:rPr lang="en-US" dirty="0"/>
+              <a:rPr lang="en-US" dirty="0">
+                <a:latin typeface="Times New Roman" panose="02020603050405020304" pitchFamily="18" charset="0"/>
+                <a:cs typeface="Times New Roman" panose="02020603050405020304" pitchFamily="18" charset="0"/>
+              </a:rPr>
               <a:t>[</a:t>
             </a:r>
             <a:r>
-              <a:rPr lang="ru-RU" dirty="0"/>
+              <a:rPr lang="ru-RU" dirty="0">
+                <a:latin typeface="Times New Roman" panose="02020603050405020304" pitchFamily="18" charset="0"/>
+                <a:cs typeface="Times New Roman" panose="02020603050405020304" pitchFamily="18" charset="0"/>
+              </a:rPr>
               <a:t>начальное поле</a:t>
             </a:r>
             <a:r>
-              <a:rPr lang="en-US" dirty="0"/>
+              <a:rPr lang="en-US" dirty="0">
+                <a:latin typeface="Times New Roman" panose="02020603050405020304" pitchFamily="18" charset="0"/>
+                <a:cs typeface="Times New Roman" panose="02020603050405020304" pitchFamily="18" charset="0"/>
+              </a:rPr>
               <a:t>]</a:t>
             </a:r>
             <a:r>
-              <a:rPr lang="ru-RU" dirty="0"/>
+              <a:rPr lang="ru-RU" dirty="0">
+                <a:latin typeface="Times New Roman" panose="02020603050405020304" pitchFamily="18" charset="0"/>
+                <a:cs typeface="Times New Roman" panose="02020603050405020304" pitchFamily="18" charset="0"/>
+              </a:rPr>
               <a:t> </a:t>
             </a:r>
             <a:r>
-              <a:rPr lang="en-US" dirty="0"/>
+              <a:rPr lang="en-US" dirty="0">
+                <a:latin typeface="Times New Roman" panose="02020603050405020304" pitchFamily="18" charset="0"/>
+                <a:cs typeface="Times New Roman" panose="02020603050405020304" pitchFamily="18" charset="0"/>
+              </a:rPr>
               <a:t>[</a:t>
             </a:r>
             <a:r>
-              <a:rPr lang="ru-RU" dirty="0"/>
+              <a:rPr lang="ru-RU" dirty="0">
+                <a:latin typeface="Times New Roman" panose="02020603050405020304" pitchFamily="18" charset="0"/>
+                <a:cs typeface="Times New Roman" panose="02020603050405020304" pitchFamily="18" charset="0"/>
+              </a:rPr>
               <a:t>конечное поле</a:t>
             </a:r>
             <a:r>
-              <a:rPr lang="en-US" dirty="0"/>
+              <a:rPr lang="en-US" dirty="0">
+                <a:latin typeface="Times New Roman" panose="02020603050405020304" pitchFamily="18" charset="0"/>
+                <a:cs typeface="Times New Roman" panose="02020603050405020304" pitchFamily="18" charset="0"/>
+              </a:rPr>
               <a:t>]</a:t>
             </a:r>
             <a:r>
-              <a:rPr lang="ru-RU" dirty="0"/>
+              <a:rPr lang="ru-RU" dirty="0">
+                <a:latin typeface="Times New Roman" panose="02020603050405020304" pitchFamily="18" charset="0"/>
+                <a:cs typeface="Times New Roman" panose="02020603050405020304" pitchFamily="18" charset="0"/>
+              </a:rPr>
               <a:t> </a:t>
             </a:r>
           </a:p>
@@ -4325,7 +4554,10 @@
               <a:buNone/>
             </a:pPr>
             <a:r>
-              <a:rPr lang="ru-RU" dirty="0"/>
+              <a:rPr lang="ru-RU" dirty="0">
+                <a:latin typeface="Times New Roman" panose="02020603050405020304" pitchFamily="18" charset="0"/>
+                <a:cs typeface="Times New Roman" panose="02020603050405020304" pitchFamily="18" charset="0"/>
+              </a:rPr>
               <a:t>	Дополнительные символы:</a:t>
             </a:r>
           </a:p>
@@ -4334,7 +4566,10 @@
               <a:buNone/>
             </a:pPr>
             <a:r>
-              <a:rPr lang="ru-RU" dirty="0"/>
+              <a:rPr lang="ru-RU" dirty="0">
+                <a:latin typeface="Times New Roman" panose="02020603050405020304" pitchFamily="18" charset="0"/>
+                <a:cs typeface="Times New Roman" panose="02020603050405020304" pitchFamily="18" charset="0"/>
+              </a:rPr>
               <a:t>	х – при взятии фигуры (записывается между полями)</a:t>
             </a:r>
           </a:p>
@@ -4343,7 +4578,10 @@
               <a:buNone/>
             </a:pPr>
             <a:r>
-              <a:rPr lang="ru-RU" dirty="0"/>
+              <a:rPr lang="ru-RU" dirty="0">
+                <a:latin typeface="Times New Roman" panose="02020603050405020304" pitchFamily="18" charset="0"/>
+                <a:cs typeface="Times New Roman" panose="02020603050405020304" pitchFamily="18" charset="0"/>
+              </a:rPr>
               <a:t>	0-0-0 – длинная рокировка (записывается вместо полей)</a:t>
             </a:r>
           </a:p>
@@ -4352,7 +4590,10 @@
               <a:buNone/>
             </a:pPr>
             <a:r>
-              <a:rPr lang="ru-RU" dirty="0"/>
+              <a:rPr lang="ru-RU" dirty="0">
+                <a:latin typeface="Times New Roman" panose="02020603050405020304" pitchFamily="18" charset="0"/>
+                <a:cs typeface="Times New Roman" panose="02020603050405020304" pitchFamily="18" charset="0"/>
+              </a:rPr>
               <a:t>	0-0 – короткая рокировка</a:t>
             </a:r>
           </a:p>
@@ -4361,7 +4602,10 @@
               <a:buNone/>
             </a:pPr>
             <a:r>
-              <a:rPr lang="ru-RU" dirty="0"/>
+              <a:rPr lang="ru-RU" dirty="0">
+                <a:latin typeface="Times New Roman" panose="02020603050405020304" pitchFamily="18" charset="0"/>
+                <a:cs typeface="Times New Roman" panose="02020603050405020304" pitchFamily="18" charset="0"/>
+              </a:rPr>
               <a:t>	+ - шах (записывается после стандартной  записи хода)</a:t>
             </a:r>
           </a:p>
@@ -4370,15 +4614,24 @@
               <a:buNone/>
             </a:pPr>
             <a:r>
-              <a:rPr lang="ru-RU" dirty="0"/>
+              <a:rPr lang="ru-RU" dirty="0">
+                <a:latin typeface="Times New Roman" panose="02020603050405020304" pitchFamily="18" charset="0"/>
+                <a:cs typeface="Times New Roman" panose="02020603050405020304" pitchFamily="18" charset="0"/>
+              </a:rPr>
               <a:t>	</a:t>
             </a:r>
             <a:r>
-              <a:rPr lang="en-US" dirty="0"/>
+              <a:rPr lang="en-US" dirty="0">
+                <a:latin typeface="Times New Roman" panose="02020603050405020304" pitchFamily="18" charset="0"/>
+                <a:cs typeface="Times New Roman" panose="02020603050405020304" pitchFamily="18" charset="0"/>
+              </a:rPr>
               <a:t>#</a:t>
             </a:r>
             <a:r>
-              <a:rPr lang="ru-RU" dirty="0"/>
+              <a:rPr lang="ru-RU" dirty="0">
+                <a:latin typeface="Times New Roman" panose="02020603050405020304" pitchFamily="18" charset="0"/>
+                <a:cs typeface="Times New Roman" panose="02020603050405020304" pitchFamily="18" charset="0"/>
+              </a:rPr>
               <a:t> - мат (записывается после стандартной  записи хода)</a:t>
             </a:r>
           </a:p>
@@ -4387,22 +4640,37 @@
               <a:buNone/>
             </a:pPr>
             <a:r>
-              <a:rPr lang="ru-RU" dirty="0"/>
+              <a:rPr lang="ru-RU" dirty="0">
+                <a:latin typeface="Times New Roman" panose="02020603050405020304" pitchFamily="18" charset="0"/>
+                <a:cs typeface="Times New Roman" panose="02020603050405020304" pitchFamily="18" charset="0"/>
+              </a:rPr>
               <a:t>Пример: </a:t>
             </a:r>
             <a:r>
-              <a:rPr lang="en-US" dirty="0"/>
+              <a:rPr lang="en-US" dirty="0">
+                <a:latin typeface="Times New Roman" panose="02020603050405020304" pitchFamily="18" charset="0"/>
+                <a:cs typeface="Times New Roman" panose="02020603050405020304" pitchFamily="18" charset="0"/>
+              </a:rPr>
               <a:t>BF1xB5 (</a:t>
             </a:r>
             <a:r>
-              <a:rPr lang="ru-RU" dirty="0"/>
+              <a:rPr lang="ru-RU" dirty="0">
+                <a:latin typeface="Times New Roman" panose="02020603050405020304" pitchFamily="18" charset="0"/>
+                <a:cs typeface="Times New Roman" panose="02020603050405020304" pitchFamily="18" charset="0"/>
+              </a:rPr>
               <a:t>взятие белым слоном фигуры на поле </a:t>
             </a:r>
             <a:r>
-              <a:rPr lang="en-US" dirty="0"/>
+              <a:rPr lang="en-US" dirty="0">
+                <a:latin typeface="Times New Roman" panose="02020603050405020304" pitchFamily="18" charset="0"/>
+                <a:cs typeface="Times New Roman" panose="02020603050405020304" pitchFamily="18" charset="0"/>
+              </a:rPr>
               <a:t>B5)</a:t>
             </a:r>
-            <a:endParaRPr lang="ru-RU" dirty="0"/>
+            <a:endParaRPr lang="ru-RU" dirty="0">
+              <a:latin typeface="Times New Roman" panose="02020603050405020304" pitchFamily="18" charset="0"/>
+              <a:cs typeface="Times New Roman" panose="02020603050405020304" pitchFamily="18" charset="0"/>
+            </a:endParaRPr>
           </a:p>
         </p:txBody>
       </p:sp>
@@ -4454,41 +4722,57 @@
         </p:nvSpPr>
         <p:spPr/>
         <p:txBody>
-          <a:bodyPr/>
-          <a:lstStyle/>
-          <a:p>
-            <a:r>
-              <a:rPr lang="ru-RU" dirty="0"/>
+          <a:bodyPr>
+            <a:normAutofit fontScale="90000"/>
+          </a:bodyPr>
+          <a:lstStyle/>
+          <a:p>
+            <a:pPr algn="ctr"/>
+            <a:r>
+              <a:rPr lang="ru-RU" sz="6000" dirty="0">
+                <a:latin typeface="Times New Roman" panose="02020603050405020304" pitchFamily="18" charset="0"/>
+                <a:cs typeface="Times New Roman" panose="02020603050405020304" pitchFamily="18" charset="0"/>
+              </a:rPr>
               <a:t>Разделение приложения на слои</a:t>
             </a:r>
           </a:p>
         </p:txBody>
       </p:sp>
-      <p:sp>
-        <p:nvSpPr>
-          <p:cNvPr id="3" name="Объект 2">
-            <a:extLst>
-              <a:ext uri="{FF2B5EF4-FFF2-40B4-BE49-F238E27FC236}">
-                <a16:creationId xmlns:a16="http://schemas.microsoft.com/office/drawing/2014/main" id="{D0BA3405-D495-42A0-9B36-85231D0C6EBE}"/>
-              </a:ext>
-            </a:extLst>
-          </p:cNvPr>
-          <p:cNvSpPr>
-            <a:spLocks noGrp="1"/>
-          </p:cNvSpPr>
+      <p:pic>
+        <p:nvPicPr>
+          <p:cNvPr id="5" name="Объект 4">
+            <a:extLst>
+              <a:ext uri="{FF2B5EF4-FFF2-40B4-BE49-F238E27FC236}">
+                <a16:creationId xmlns:a16="http://schemas.microsoft.com/office/drawing/2014/main" id="{DE0EEA76-1C9A-4B7C-A96C-9A2728BD0316}"/>
+              </a:ext>
+            </a:extLst>
+          </p:cNvPr>
+          <p:cNvPicPr>
+            <a:picLocks noGrp="1" noChangeAspect="1"/>
+          </p:cNvPicPr>
           <p:nvPr>
             <p:ph idx="1"/>
           </p:nvPr>
-        </p:nvSpPr>
-        <p:spPr/>
-        <p:txBody>
-          <a:bodyPr/>
-          <a:lstStyle/>
-          <a:p>
-            <a:endParaRPr lang="ru-RU" dirty="0"/>
-          </a:p>
-        </p:txBody>
-      </p:sp>
+        </p:nvPicPr>
+        <p:blipFill>
+          <a:blip r:embed="rId2">
+            <a:extLst>
+              <a:ext uri="{28A0092B-C50C-407E-A947-70E740481C1C}">
+                <a14:useLocalDpi xmlns:a14="http://schemas.microsoft.com/office/drawing/2010/main" val="0"/>
+              </a:ext>
+            </a:extLst>
+          </a:blip>
+          <a:stretch>
+            <a:fillRect/>
+          </a:stretch>
+        </p:blipFill>
+        <p:spPr>
+          <a:xfrm>
+            <a:off x="155689" y="1812758"/>
+            <a:ext cx="11669482" cy="4299283"/>
+          </a:xfrm>
+        </p:spPr>
+      </p:pic>
     </p:spTree>
     <p:extLst>
       <p:ext uri="{BB962C8B-B14F-4D97-AF65-F5344CB8AC3E}">
@@ -4597,8 +4881,8 @@
         </p:blipFill>
         <p:spPr>
           <a:xfrm>
-            <a:off x="838200" y="1219200"/>
-            <a:ext cx="10515600" cy="5273675"/>
+            <a:off x="1485900" y="1219200"/>
+            <a:ext cx="9220200" cy="5273675"/>
           </a:xfrm>
         </p:spPr>
       </p:pic>
@@ -4712,8 +4996,8 @@
         </p:blipFill>
         <p:spPr>
           <a:xfrm>
-            <a:off x="838199" y="1042738"/>
-            <a:ext cx="10515599" cy="5450136"/>
+            <a:off x="1325480" y="1042738"/>
+            <a:ext cx="9541040" cy="5450136"/>
           </a:xfrm>
         </p:spPr>
       </p:pic>
@@ -4795,36 +5079,41 @@
           </a:p>
         </p:txBody>
       </p:sp>
-      <p:sp>
-        <p:nvSpPr>
-          <p:cNvPr id="3" name="Объект 2">
-            <a:extLst>
-              <a:ext uri="{FF2B5EF4-FFF2-40B4-BE49-F238E27FC236}">
-                <a16:creationId xmlns:a16="http://schemas.microsoft.com/office/drawing/2014/main" id="{030B9878-3E81-4214-9A86-1990AB5304F1}"/>
-              </a:ext>
-            </a:extLst>
-          </p:cNvPr>
-          <p:cNvSpPr>
-            <a:spLocks noGrp="1"/>
-          </p:cNvSpPr>
+      <p:pic>
+        <p:nvPicPr>
+          <p:cNvPr id="13" name="Объект 12">
+            <a:extLst>
+              <a:ext uri="{FF2B5EF4-FFF2-40B4-BE49-F238E27FC236}">
+                <a16:creationId xmlns:a16="http://schemas.microsoft.com/office/drawing/2014/main" id="{577704EA-EF92-46EA-8281-6D054DB6CF9C}"/>
+              </a:ext>
+            </a:extLst>
+          </p:cNvPr>
+          <p:cNvPicPr>
+            <a:picLocks noGrp="1" noChangeAspect="1"/>
+          </p:cNvPicPr>
           <p:nvPr>
             <p:ph idx="1"/>
           </p:nvPr>
-        </p:nvSpPr>
+        </p:nvPicPr>
+        <p:blipFill>
+          <a:blip r:embed="rId2">
+            <a:extLst>
+              <a:ext uri="{28A0092B-C50C-407E-A947-70E740481C1C}">
+                <a14:useLocalDpi xmlns:a14="http://schemas.microsoft.com/office/drawing/2010/main" val="0"/>
+              </a:ext>
+            </a:extLst>
+          </a:blip>
+          <a:stretch>
+            <a:fillRect/>
+          </a:stretch>
+        </p:blipFill>
         <p:spPr>
           <a:xfrm>
-            <a:off x="838200" y="1090864"/>
-            <a:ext cx="10515600" cy="5402010"/>
+            <a:off x="2406316" y="1090864"/>
+            <a:ext cx="7363326" cy="5402010"/>
           </a:xfrm>
         </p:spPr>
-        <p:txBody>
-          <a:bodyPr/>
-          <a:lstStyle/>
-          <a:p>
-            <a:endParaRPr lang="ru-RU" dirty="0"/>
-          </a:p>
-        </p:txBody>
-      </p:sp>
+      </p:pic>
     </p:spTree>
     <p:extLst>
       <p:ext uri="{BB962C8B-B14F-4D97-AF65-F5344CB8AC3E}">
@@ -4874,16 +5163,18 @@
         <p:spPr>
           <a:xfrm>
             <a:off x="838200" y="365126"/>
-            <a:ext cx="10515600" cy="725738"/>
+            <a:ext cx="10515600" cy="1495758"/>
           </a:xfrm>
         </p:spPr>
         <p:txBody>
-          <a:bodyPr/>
+          <a:bodyPr>
+            <a:normAutofit fontScale="90000"/>
+          </a:bodyPr>
           <a:lstStyle/>
           <a:p>
             <a:pPr algn="ctr"/>
             <a:r>
-              <a:rPr lang="ru-RU" dirty="0">
+              <a:rPr lang="ru-RU" sz="6000" dirty="0">
                 <a:latin typeface="Times New Roman" panose="02020603050405020304" pitchFamily="18" charset="0"/>
                 <a:cs typeface="Times New Roman" panose="02020603050405020304" pitchFamily="18" charset="0"/>
               </a:rPr>
@@ -4910,15 +5201,59 @@
         </p:nvSpPr>
         <p:spPr>
           <a:xfrm>
-            <a:off x="838200" y="1090864"/>
-            <a:ext cx="10515600" cy="5402010"/>
+            <a:off x="838200" y="1860884"/>
+            <a:ext cx="10515600" cy="4631990"/>
           </a:xfrm>
         </p:spPr>
         <p:txBody>
-          <a:bodyPr/>
-          <a:lstStyle/>
-          <a:p>
-            <a:endParaRPr lang="ru-RU" dirty="0"/>
+          <a:bodyPr>
+            <a:normAutofit/>
+          </a:bodyPr>
+          <a:lstStyle/>
+          <a:p>
+            <a:r>
+              <a:rPr lang="ru-RU" sz="4000" dirty="0">
+                <a:latin typeface="Times New Roman" panose="02020603050405020304" pitchFamily="18" charset="0"/>
+                <a:cs typeface="Times New Roman" panose="02020603050405020304" pitchFamily="18" charset="0"/>
+              </a:rPr>
+              <a:t>Простота расширения</a:t>
+            </a:r>
+          </a:p>
+          <a:p>
+            <a:pPr marL="0" indent="0">
+              <a:buNone/>
+            </a:pPr>
+            <a:endParaRPr lang="ru-RU" sz="4000" dirty="0">
+              <a:latin typeface="Times New Roman" panose="02020603050405020304" pitchFamily="18" charset="0"/>
+              <a:cs typeface="Times New Roman" panose="02020603050405020304" pitchFamily="18" charset="0"/>
+            </a:endParaRPr>
+          </a:p>
+          <a:p>
+            <a:r>
+              <a:rPr lang="ru-RU" sz="4000" dirty="0">
+                <a:latin typeface="Times New Roman" panose="02020603050405020304" pitchFamily="18" charset="0"/>
+                <a:cs typeface="Times New Roman" panose="02020603050405020304" pitchFamily="18" charset="0"/>
+              </a:rPr>
+              <a:t>Вынесение зависимостей между параллельными ветвями иерархии в отдельные классы посетителей</a:t>
+            </a:r>
+          </a:p>
+          <a:p>
+            <a:pPr marL="0" indent="0">
+              <a:buNone/>
+            </a:pPr>
+            <a:endParaRPr lang="ru-RU" sz="4000" dirty="0">
+              <a:latin typeface="Times New Roman" panose="02020603050405020304" pitchFamily="18" charset="0"/>
+              <a:cs typeface="Times New Roman" panose="02020603050405020304" pitchFamily="18" charset="0"/>
+            </a:endParaRPr>
+          </a:p>
+          <a:p>
+            <a:r>
+              <a:rPr lang="ru-RU" sz="4000" dirty="0">
+                <a:latin typeface="Times New Roman" panose="02020603050405020304" pitchFamily="18" charset="0"/>
+                <a:cs typeface="Times New Roman" panose="02020603050405020304" pitchFamily="18" charset="0"/>
+              </a:rPr>
+              <a:t> Добавление новой логики для всей иерархии </a:t>
+            </a:r>
           </a:p>
         </p:txBody>
       </p:sp>
@@ -4971,67 +5306,72 @@
         <p:spPr>
           <a:xfrm>
             <a:off x="838200" y="365126"/>
-            <a:ext cx="10515600" cy="661570"/>
+            <a:ext cx="10515600" cy="1614016"/>
           </a:xfrm>
         </p:spPr>
         <p:txBody>
           <a:bodyPr>
-            <a:normAutofit fontScale="90000"/>
+            <a:normAutofit/>
           </a:bodyPr>
           <a:lstStyle/>
           <a:p>
             <a:pPr algn="ctr"/>
             <a:r>
-              <a:rPr lang="ru-RU" dirty="0">
+              <a:rPr lang="ru-RU" sz="5400" dirty="0">
                 <a:latin typeface="Times New Roman" panose="02020603050405020304" pitchFamily="18" charset="0"/>
                 <a:cs typeface="Times New Roman" panose="02020603050405020304" pitchFamily="18" charset="0"/>
               </a:rPr>
               <a:t>Шаблонная реализация паттерна </a:t>
             </a:r>
             <a:r>
-              <a:rPr lang="en-US" dirty="0">
+              <a:rPr lang="en-US" sz="5400" dirty="0">
                 <a:latin typeface="Times New Roman" panose="02020603050405020304" pitchFamily="18" charset="0"/>
                 <a:cs typeface="Times New Roman" panose="02020603050405020304" pitchFamily="18" charset="0"/>
               </a:rPr>
               <a:t>Visitor</a:t>
             </a:r>
-            <a:endParaRPr lang="ru-RU" dirty="0">
+            <a:endParaRPr lang="ru-RU" sz="5400" dirty="0">
               <a:latin typeface="Times New Roman" panose="02020603050405020304" pitchFamily="18" charset="0"/>
               <a:cs typeface="Times New Roman" panose="02020603050405020304" pitchFamily="18" charset="0"/>
             </a:endParaRPr>
           </a:p>
         </p:txBody>
       </p:sp>
-      <p:sp>
-        <p:nvSpPr>
-          <p:cNvPr id="3" name="Объект 2">
-            <a:extLst>
-              <a:ext uri="{FF2B5EF4-FFF2-40B4-BE49-F238E27FC236}">
-                <a16:creationId xmlns:a16="http://schemas.microsoft.com/office/drawing/2014/main" id="{2DE81E2C-0552-449B-9A0D-97E4973FFEEF}"/>
-              </a:ext>
-            </a:extLst>
-          </p:cNvPr>
-          <p:cNvSpPr>
-            <a:spLocks noGrp="1"/>
-          </p:cNvSpPr>
+      <p:pic>
+        <p:nvPicPr>
+          <p:cNvPr id="4" name="Объект 8">
+            <a:extLst>
+              <a:ext uri="{FF2B5EF4-FFF2-40B4-BE49-F238E27FC236}">
+                <a16:creationId xmlns:a16="http://schemas.microsoft.com/office/drawing/2014/main" id="{3301B33B-C2DF-4598-AA22-C2ED512EE4D9}"/>
+              </a:ext>
+            </a:extLst>
+          </p:cNvPr>
+          <p:cNvPicPr>
+            <a:picLocks noGrp="1" noChangeAspect="1"/>
+          </p:cNvPicPr>
           <p:nvPr>
             <p:ph idx="1"/>
           </p:nvPr>
-        </p:nvSpPr>
+        </p:nvPicPr>
+        <p:blipFill>
+          <a:blip r:embed="rId2">
+            <a:extLst>
+              <a:ext uri="{28A0092B-C50C-407E-A947-70E740481C1C}">
+                <a14:useLocalDpi xmlns:a14="http://schemas.microsoft.com/office/drawing/2010/main" val="0"/>
+              </a:ext>
+            </a:extLst>
+          </a:blip>
+          <a:stretch>
+            <a:fillRect/>
+          </a:stretch>
+        </p:blipFill>
         <p:spPr>
           <a:xfrm>
-            <a:off x="838200" y="1026696"/>
-            <a:ext cx="10515600" cy="5466178"/>
+            <a:off x="838200" y="1979142"/>
+            <a:ext cx="10515600" cy="4513732"/>
           </a:xfrm>
         </p:spPr>
-        <p:txBody>
-          <a:bodyPr/>
-          <a:lstStyle/>
-          <a:p>
-            <a:endParaRPr lang="ru-RU" dirty="0"/>
-          </a:p>
-        </p:txBody>
-      </p:sp>
+      </p:pic>
     </p:spTree>
     <p:extLst>
       <p:ext uri="{BB962C8B-B14F-4D97-AF65-F5344CB8AC3E}">
